--- a/factorypattern.pptx
+++ b/factorypattern.pptx
@@ -5,13 +5,21 @@
     <p:sldMasterId id="2147483720" r:id="rId1"/>
   </p:sldMasterIdLst>
   <p:notesMasterIdLst>
-    <p:notesMasterId r:id="rId6"/>
+    <p:notesMasterId r:id="rId14"/>
   </p:notesMasterIdLst>
   <p:sldIdLst>
     <p:sldId id="256" r:id="rId2"/>
     <p:sldId id="257" r:id="rId3"/>
-    <p:sldId id="258" r:id="rId4"/>
-    <p:sldId id="260" r:id="rId5"/>
+    <p:sldId id="261" r:id="rId4"/>
+    <p:sldId id="258" r:id="rId5"/>
+    <p:sldId id="262" r:id="rId6"/>
+    <p:sldId id="260" r:id="rId7"/>
+    <p:sldId id="263" r:id="rId8"/>
+    <p:sldId id="264" r:id="rId9"/>
+    <p:sldId id="265" r:id="rId10"/>
+    <p:sldId id="266" r:id="rId11"/>
+    <p:sldId id="267" r:id="rId12"/>
+    <p:sldId id="268" r:id="rId13"/>
   </p:sldIdLst>
   <p:sldSz cx="12192000" cy="6858000"/>
   <p:notesSz cx="6858000" cy="9144000"/>
@@ -110,6 +118,11 @@
       </a:defRPr>
     </a:lvl9pPr>
   </p:defaultTextStyle>
+  <p:extLst>
+    <p:ext uri="{EFAFB233-063F-42B5-8137-9DF3F51BA10A}">
+      <p15:sldGuideLst xmlns:p15="http://schemas.microsoft.com/office/powerpoint/2012/main"/>
+    </p:ext>
+  </p:extLst>
 </p:presentation>
 </file>
 
@@ -195,7 +208,7 @@
           <a:p>
             <a:fld id="{299BC330-24CE-C241-8ABC-AFB73261450A}" type="datetimeFigureOut">
               <a:rPr kumimoji="1" lang="zh-TW" altLang="en-US" smtClean="0"/>
-              <a:t>2015/12/1</a:t>
+              <a:t>2015/12/3</a:t>
             </a:fld>
             <a:endParaRPr kumimoji="1" lang="zh-TW" altLang="en-US"/>
           </a:p>
@@ -571,6 +584,511 @@
 </p:notes>
 </file>
 
+<file path=ppt/notesSlides/notesSlide2.xml><?xml version="1.0" encoding="utf-8"?>
+<p:notes xmlns:a="http://schemas.openxmlformats.org/drawingml/2006/main" xmlns:r="http://schemas.openxmlformats.org/officeDocument/2006/relationships" xmlns:p="http://schemas.openxmlformats.org/presentationml/2006/main">
+  <p:cSld>
+    <p:spTree>
+      <p:nvGrpSpPr>
+        <p:cNvPr id="1" name=""/>
+        <p:cNvGrpSpPr/>
+        <p:nvPr/>
+      </p:nvGrpSpPr>
+      <p:grpSpPr>
+        <a:xfrm>
+          <a:off x="0" y="0"/>
+          <a:ext cx="0" cy="0"/>
+          <a:chOff x="0" y="0"/>
+          <a:chExt cx="0" cy="0"/>
+        </a:xfrm>
+      </p:grpSpPr>
+      <p:sp>
+        <p:nvSpPr>
+          <p:cNvPr id="2" name="投影片影像版面配置區 1"/>
+          <p:cNvSpPr>
+            <a:spLocks noGrp="1" noRot="1" noChangeAspect="1"/>
+          </p:cNvSpPr>
+          <p:nvPr>
+            <p:ph type="sldImg"/>
+          </p:nvPr>
+        </p:nvSpPr>
+        <p:spPr/>
+      </p:sp>
+      <p:sp>
+        <p:nvSpPr>
+          <p:cNvPr id="3" name="備忘稿版面配置區 2"/>
+          <p:cNvSpPr>
+            <a:spLocks noGrp="1"/>
+          </p:cNvSpPr>
+          <p:nvPr>
+            <p:ph type="body" idx="1"/>
+          </p:nvPr>
+        </p:nvSpPr>
+        <p:spPr/>
+        <p:txBody>
+          <a:bodyPr/>
+          <a:lstStyle/>
+          <a:p>
+            <a:endParaRPr kumimoji="1" lang="zh-TW" altLang="en-US" dirty="0"/>
+          </a:p>
+        </p:txBody>
+      </p:sp>
+      <p:sp>
+        <p:nvSpPr>
+          <p:cNvPr id="4" name="投影片編號版面配置區 3"/>
+          <p:cNvSpPr>
+            <a:spLocks noGrp="1"/>
+          </p:cNvSpPr>
+          <p:nvPr>
+            <p:ph type="sldNum" sz="quarter" idx="10"/>
+          </p:nvPr>
+        </p:nvSpPr>
+        <p:spPr/>
+        <p:txBody>
+          <a:bodyPr/>
+          <a:lstStyle/>
+          <a:p>
+            <a:fld id="{5F8DF6AD-0AC2-4643-A75F-40C32BF992E4}" type="slidenum">
+              <a:rPr kumimoji="1" lang="zh-TW" altLang="en-US" smtClean="0"/>
+              <a:t>3</a:t>
+            </a:fld>
+            <a:endParaRPr kumimoji="1" lang="zh-TW" altLang="en-US"/>
+          </a:p>
+        </p:txBody>
+      </p:sp>
+    </p:spTree>
+    <p:extLst>
+      <p:ext uri="{BB962C8B-B14F-4D97-AF65-F5344CB8AC3E}">
+        <p14:creationId xmlns:p14="http://schemas.microsoft.com/office/powerpoint/2010/main" val="1574841347"/>
+      </p:ext>
+    </p:extLst>
+  </p:cSld>
+  <p:clrMapOvr>
+    <a:masterClrMapping/>
+  </p:clrMapOvr>
+</p:notes>
+</file>
+
+<file path=ppt/notesSlides/notesSlide3.xml><?xml version="1.0" encoding="utf-8"?>
+<p:notes xmlns:a="http://schemas.openxmlformats.org/drawingml/2006/main" xmlns:r="http://schemas.openxmlformats.org/officeDocument/2006/relationships" xmlns:p="http://schemas.openxmlformats.org/presentationml/2006/main">
+  <p:cSld>
+    <p:spTree>
+      <p:nvGrpSpPr>
+        <p:cNvPr id="1" name=""/>
+        <p:cNvGrpSpPr/>
+        <p:nvPr/>
+      </p:nvGrpSpPr>
+      <p:grpSpPr>
+        <a:xfrm>
+          <a:off x="0" y="0"/>
+          <a:ext cx="0" cy="0"/>
+          <a:chOff x="0" y="0"/>
+          <a:chExt cx="0" cy="0"/>
+        </a:xfrm>
+      </p:grpSpPr>
+      <p:sp>
+        <p:nvSpPr>
+          <p:cNvPr id="2" name="投影片影像版面配置區 1"/>
+          <p:cNvSpPr>
+            <a:spLocks noGrp="1" noRot="1" noChangeAspect="1"/>
+          </p:cNvSpPr>
+          <p:nvPr>
+            <p:ph type="sldImg"/>
+          </p:nvPr>
+        </p:nvSpPr>
+        <p:spPr/>
+      </p:sp>
+      <p:sp>
+        <p:nvSpPr>
+          <p:cNvPr id="3" name="備忘稿版面配置區 2"/>
+          <p:cNvSpPr>
+            <a:spLocks noGrp="1"/>
+          </p:cNvSpPr>
+          <p:nvPr>
+            <p:ph type="body" idx="1"/>
+          </p:nvPr>
+        </p:nvSpPr>
+        <p:spPr/>
+        <p:txBody>
+          <a:bodyPr/>
+          <a:lstStyle/>
+          <a:p>
+            <a:endParaRPr kumimoji="1" lang="zh-TW" altLang="en-US" dirty="0"/>
+          </a:p>
+        </p:txBody>
+      </p:sp>
+      <p:sp>
+        <p:nvSpPr>
+          <p:cNvPr id="4" name="投影片編號版面配置區 3"/>
+          <p:cNvSpPr>
+            <a:spLocks noGrp="1"/>
+          </p:cNvSpPr>
+          <p:nvPr>
+            <p:ph type="sldNum" sz="quarter" idx="10"/>
+          </p:nvPr>
+        </p:nvSpPr>
+        <p:spPr/>
+        <p:txBody>
+          <a:bodyPr/>
+          <a:lstStyle/>
+          <a:p>
+            <a:fld id="{5F8DF6AD-0AC2-4643-A75F-40C32BF992E4}" type="slidenum">
+              <a:rPr kumimoji="1" lang="zh-TW" altLang="en-US" smtClean="0"/>
+              <a:t>4</a:t>
+            </a:fld>
+            <a:endParaRPr kumimoji="1" lang="zh-TW" altLang="en-US"/>
+          </a:p>
+        </p:txBody>
+      </p:sp>
+    </p:spTree>
+    <p:extLst>
+      <p:ext uri="{BB962C8B-B14F-4D97-AF65-F5344CB8AC3E}">
+        <p14:creationId xmlns:p14="http://schemas.microsoft.com/office/powerpoint/2010/main" val="1005421146"/>
+      </p:ext>
+    </p:extLst>
+  </p:cSld>
+  <p:clrMapOvr>
+    <a:masterClrMapping/>
+  </p:clrMapOvr>
+</p:notes>
+</file>
+
+<file path=ppt/notesSlides/notesSlide4.xml><?xml version="1.0" encoding="utf-8"?>
+<p:notes xmlns:a="http://schemas.openxmlformats.org/drawingml/2006/main" xmlns:r="http://schemas.openxmlformats.org/officeDocument/2006/relationships" xmlns:p="http://schemas.openxmlformats.org/presentationml/2006/main">
+  <p:cSld>
+    <p:spTree>
+      <p:nvGrpSpPr>
+        <p:cNvPr id="1" name=""/>
+        <p:cNvGrpSpPr/>
+        <p:nvPr/>
+      </p:nvGrpSpPr>
+      <p:grpSpPr>
+        <a:xfrm>
+          <a:off x="0" y="0"/>
+          <a:ext cx="0" cy="0"/>
+          <a:chOff x="0" y="0"/>
+          <a:chExt cx="0" cy="0"/>
+        </a:xfrm>
+      </p:grpSpPr>
+      <p:sp>
+        <p:nvSpPr>
+          <p:cNvPr id="2" name="投影片影像版面配置區 1"/>
+          <p:cNvSpPr>
+            <a:spLocks noGrp="1" noRot="1" noChangeAspect="1"/>
+          </p:cNvSpPr>
+          <p:nvPr>
+            <p:ph type="sldImg"/>
+          </p:nvPr>
+        </p:nvSpPr>
+        <p:spPr/>
+      </p:sp>
+      <p:sp>
+        <p:nvSpPr>
+          <p:cNvPr id="3" name="備忘稿版面配置區 2"/>
+          <p:cNvSpPr>
+            <a:spLocks noGrp="1"/>
+          </p:cNvSpPr>
+          <p:nvPr>
+            <p:ph type="body" idx="1"/>
+          </p:nvPr>
+        </p:nvSpPr>
+        <p:spPr/>
+        <p:txBody>
+          <a:bodyPr/>
+          <a:lstStyle/>
+          <a:p>
+            <a:r>
+              <a:rPr lang="zh-TW" altLang="en-US" b="1" dirty="0" smtClean="0"/>
+              <a:t>不論工廠內部的管理方法、製造流程如何地更換變動，都不會影響到系統外部使用者的操作行為，這就是使用 </a:t>
+            </a:r>
+            <a:r>
+              <a:rPr lang="en-US" altLang="zh-TW" b="1" dirty="0" smtClean="0"/>
+              <a:t>Factory Method </a:t>
+            </a:r>
+            <a:r>
+              <a:rPr lang="zh-TW" altLang="en-US" b="1" dirty="0" smtClean="0"/>
+              <a:t>模式所帶來的程式架構益處。</a:t>
+            </a:r>
+          </a:p>
+          <a:p>
+            <a:r>
+              <a:rPr lang="zh-TW" altLang="en-US" dirty="0" smtClean="0"/>
+              <a:t>對於系統外部的使用者來說，以 </a:t>
+            </a:r>
+            <a:r>
+              <a:rPr lang="en-US" altLang="zh-TW" dirty="0" smtClean="0"/>
+              <a:t>Factory Method </a:t>
+            </a:r>
+            <a:r>
+              <a:rPr lang="zh-TW" altLang="en-US" dirty="0" smtClean="0"/>
+              <a:t>實現出來的程式組件，就像是真實的工廠般準確無誤的運作：只要將事先約定好的資訊（貼圖檔案名稱）交遞給工廠，它就能夠生產出使用者所要求的產品（貼圖物件）。使用者通常並不會也不需要關心成品的生產過程或生成模式，因此利用 </a:t>
+            </a:r>
+            <a:r>
+              <a:rPr lang="en-US" altLang="zh-TW" dirty="0" smtClean="0"/>
+              <a:t>Factory Method </a:t>
+            </a:r>
+            <a:r>
+              <a:rPr lang="zh-TW" altLang="en-US" dirty="0" smtClean="0"/>
+              <a:t>創建物件產品，正好能夠</a:t>
+            </a:r>
+            <a:r>
+              <a:rPr lang="zh-TW" altLang="en-US" b="1" dirty="0" smtClean="0"/>
+              <a:t>完善地封裝隱藏物件生成過程的實做細節</a:t>
+            </a:r>
+            <a:r>
+              <a:rPr lang="zh-TW" altLang="en-US" dirty="0" smtClean="0"/>
+              <a:t>。如同</a:t>
+            </a:r>
+            <a:r>
+              <a:rPr lang="zh-TW" altLang="en-US" b="1" dirty="0" smtClean="0"/>
+              <a:t>黑盒子</a:t>
+            </a:r>
+            <a:r>
+              <a:rPr lang="zh-TW" altLang="en-US" dirty="0" smtClean="0"/>
+              <a:t>的工作程序一樣，使用者不需要去瞭解產品究竟是使用 </a:t>
+            </a:r>
+            <a:r>
+              <a:rPr lang="en-US" altLang="zh-TW" dirty="0" smtClean="0"/>
+              <a:t>new operator </a:t>
+            </a:r>
+            <a:r>
+              <a:rPr lang="zh-TW" altLang="en-US" smtClean="0"/>
+              <a:t>配置記憶體，或是利用資源回收系統產生出要求的物件，只管直接使用創建出來的物件即可。</a:t>
+            </a:r>
+            <a:endParaRPr kumimoji="1" lang="zh-TW" altLang="en-US" smtClean="0"/>
+          </a:p>
+          <a:p>
+            <a:endParaRPr kumimoji="1" lang="zh-TW" altLang="en-US" dirty="0"/>
+          </a:p>
+        </p:txBody>
+      </p:sp>
+      <p:sp>
+        <p:nvSpPr>
+          <p:cNvPr id="4" name="投影片編號版面配置區 3"/>
+          <p:cNvSpPr>
+            <a:spLocks noGrp="1"/>
+          </p:cNvSpPr>
+          <p:nvPr>
+            <p:ph type="sldNum" sz="quarter" idx="10"/>
+          </p:nvPr>
+        </p:nvSpPr>
+        <p:spPr/>
+        <p:txBody>
+          <a:bodyPr/>
+          <a:lstStyle/>
+          <a:p>
+            <a:fld id="{5F8DF6AD-0AC2-4643-A75F-40C32BF992E4}" type="slidenum">
+              <a:rPr kumimoji="1" lang="zh-TW" altLang="en-US" smtClean="0"/>
+              <a:t>5</a:t>
+            </a:fld>
+            <a:endParaRPr kumimoji="1" lang="zh-TW" altLang="en-US"/>
+          </a:p>
+        </p:txBody>
+      </p:sp>
+    </p:spTree>
+    <p:extLst>
+      <p:ext uri="{BB962C8B-B14F-4D97-AF65-F5344CB8AC3E}">
+        <p14:creationId xmlns:p14="http://schemas.microsoft.com/office/powerpoint/2010/main" val="1666888572"/>
+      </p:ext>
+    </p:extLst>
+  </p:cSld>
+  <p:clrMapOvr>
+    <a:masterClrMapping/>
+  </p:clrMapOvr>
+</p:notes>
+</file>
+
+<file path=ppt/notesSlides/notesSlide5.xml><?xml version="1.0" encoding="utf-8"?>
+<p:notes xmlns:a="http://schemas.openxmlformats.org/drawingml/2006/main" xmlns:r="http://schemas.openxmlformats.org/officeDocument/2006/relationships" xmlns:p="http://schemas.openxmlformats.org/presentationml/2006/main">
+  <p:cSld>
+    <p:spTree>
+      <p:nvGrpSpPr>
+        <p:cNvPr id="1" name=""/>
+        <p:cNvGrpSpPr/>
+        <p:nvPr/>
+      </p:nvGrpSpPr>
+      <p:grpSpPr>
+        <a:xfrm>
+          <a:off x="0" y="0"/>
+          <a:ext cx="0" cy="0"/>
+          <a:chOff x="0" y="0"/>
+          <a:chExt cx="0" cy="0"/>
+        </a:xfrm>
+      </p:grpSpPr>
+      <p:sp>
+        <p:nvSpPr>
+          <p:cNvPr id="2" name="投影片影像版面配置區 1"/>
+          <p:cNvSpPr>
+            <a:spLocks noGrp="1" noRot="1" noChangeAspect="1"/>
+          </p:cNvSpPr>
+          <p:nvPr>
+            <p:ph type="sldImg"/>
+          </p:nvPr>
+        </p:nvSpPr>
+        <p:spPr/>
+      </p:sp>
+      <p:sp>
+        <p:nvSpPr>
+          <p:cNvPr id="3" name="備忘稿版面配置區 2"/>
+          <p:cNvSpPr>
+            <a:spLocks noGrp="1"/>
+          </p:cNvSpPr>
+          <p:nvPr>
+            <p:ph type="body" idx="1"/>
+          </p:nvPr>
+        </p:nvSpPr>
+        <p:spPr/>
+        <p:txBody>
+          <a:bodyPr/>
+          <a:lstStyle/>
+          <a:p>
+            <a:endParaRPr kumimoji="1" lang="zh-TW" altLang="en-US" dirty="0"/>
+          </a:p>
+        </p:txBody>
+      </p:sp>
+      <p:sp>
+        <p:nvSpPr>
+          <p:cNvPr id="4" name="投影片編號版面配置區 3"/>
+          <p:cNvSpPr>
+            <a:spLocks noGrp="1"/>
+          </p:cNvSpPr>
+          <p:nvPr>
+            <p:ph type="sldNum" sz="quarter" idx="10"/>
+          </p:nvPr>
+        </p:nvSpPr>
+        <p:spPr/>
+        <p:txBody>
+          <a:bodyPr/>
+          <a:lstStyle/>
+          <a:p>
+            <a:fld id="{5F8DF6AD-0AC2-4643-A75F-40C32BF992E4}" type="slidenum">
+              <a:rPr kumimoji="1" lang="zh-TW" altLang="en-US" smtClean="0"/>
+              <a:t>6</a:t>
+            </a:fld>
+            <a:endParaRPr kumimoji="1" lang="zh-TW" altLang="en-US"/>
+          </a:p>
+        </p:txBody>
+      </p:sp>
+    </p:spTree>
+    <p:extLst>
+      <p:ext uri="{BB962C8B-B14F-4D97-AF65-F5344CB8AC3E}">
+        <p14:creationId xmlns:p14="http://schemas.microsoft.com/office/powerpoint/2010/main" val="1061572563"/>
+      </p:ext>
+    </p:extLst>
+  </p:cSld>
+  <p:clrMapOvr>
+    <a:masterClrMapping/>
+  </p:clrMapOvr>
+</p:notes>
+</file>
+
+<file path=ppt/notesSlides/notesSlide6.xml><?xml version="1.0" encoding="utf-8"?>
+<p:notes xmlns:a="http://schemas.openxmlformats.org/drawingml/2006/main" xmlns:r="http://schemas.openxmlformats.org/officeDocument/2006/relationships" xmlns:p="http://schemas.openxmlformats.org/presentationml/2006/main">
+  <p:cSld>
+    <p:spTree>
+      <p:nvGrpSpPr>
+        <p:cNvPr id="1" name=""/>
+        <p:cNvGrpSpPr/>
+        <p:nvPr/>
+      </p:nvGrpSpPr>
+      <p:grpSpPr>
+        <a:xfrm>
+          <a:off x="0" y="0"/>
+          <a:ext cx="0" cy="0"/>
+          <a:chOff x="0" y="0"/>
+          <a:chExt cx="0" cy="0"/>
+        </a:xfrm>
+      </p:grpSpPr>
+      <p:sp>
+        <p:nvSpPr>
+          <p:cNvPr id="2" name="投影片影像版面配置區 1"/>
+          <p:cNvSpPr>
+            <a:spLocks noGrp="1" noRot="1" noChangeAspect="1"/>
+          </p:cNvSpPr>
+          <p:nvPr>
+            <p:ph type="sldImg"/>
+          </p:nvPr>
+        </p:nvSpPr>
+        <p:spPr/>
+      </p:sp>
+      <p:sp>
+        <p:nvSpPr>
+          <p:cNvPr id="3" name="備忘稿版面配置區 2"/>
+          <p:cNvSpPr>
+            <a:spLocks noGrp="1"/>
+          </p:cNvSpPr>
+          <p:nvPr>
+            <p:ph type="body" idx="1"/>
+          </p:nvPr>
+        </p:nvSpPr>
+        <p:spPr/>
+        <p:txBody>
+          <a:bodyPr/>
+          <a:lstStyle/>
+          <a:p>
+            <a:r>
+              <a:rPr lang="zh-TW" altLang="en-US" sz="1200" b="0" i="0" kern="1200" dirty="0" smtClean="0">
+                <a:solidFill>
+                  <a:schemeClr val="tx1"/>
+                </a:solidFill>
+                <a:effectLst/>
+                <a:latin typeface="+mn-lt"/>
+                <a:ea typeface="+mn-ea"/>
+                <a:cs typeface="+mn-cs"/>
+              </a:rPr>
+              <a:t>工廠的介面 </a:t>
+            </a:r>
+            <a:r>
+              <a:rPr lang="en-US" altLang="zh-TW" sz="1200" b="0" i="0" kern="1200" dirty="0" err="1" smtClean="0">
+                <a:solidFill>
+                  <a:schemeClr val="tx1"/>
+                </a:solidFill>
+                <a:effectLst/>
+                <a:latin typeface="+mn-lt"/>
+                <a:ea typeface="+mn-ea"/>
+                <a:cs typeface="+mn-cs"/>
+              </a:rPr>
+              <a:t>IChocoFactory</a:t>
+            </a:r>
+            <a:endParaRPr kumimoji="1" lang="zh-TW" altLang="en-US" dirty="0"/>
+          </a:p>
+        </p:txBody>
+      </p:sp>
+      <p:sp>
+        <p:nvSpPr>
+          <p:cNvPr id="4" name="投影片編號版面配置區 3"/>
+          <p:cNvSpPr>
+            <a:spLocks noGrp="1"/>
+          </p:cNvSpPr>
+          <p:nvPr>
+            <p:ph type="sldNum" sz="quarter" idx="10"/>
+          </p:nvPr>
+        </p:nvSpPr>
+        <p:spPr/>
+        <p:txBody>
+          <a:bodyPr/>
+          <a:lstStyle/>
+          <a:p>
+            <a:fld id="{5F8DF6AD-0AC2-4643-A75F-40C32BF992E4}" type="slidenum">
+              <a:rPr kumimoji="1" lang="zh-TW" altLang="en-US" smtClean="0"/>
+              <a:t>7</a:t>
+            </a:fld>
+            <a:endParaRPr kumimoji="1" lang="zh-TW" altLang="en-US"/>
+          </a:p>
+        </p:txBody>
+      </p:sp>
+    </p:spTree>
+    <p:extLst>
+      <p:ext uri="{BB962C8B-B14F-4D97-AF65-F5344CB8AC3E}">
+        <p14:creationId xmlns:p14="http://schemas.microsoft.com/office/powerpoint/2010/main" val="1488487189"/>
+      </p:ext>
+    </p:extLst>
+  </p:cSld>
+  <p:clrMapOvr>
+    <a:masterClrMapping/>
+  </p:clrMapOvr>
+</p:notes>
+</file>
+
 <file path=ppt/slideLayouts/slideLayout1.xml><?xml version="1.0" encoding="utf-8"?>
 <p:sldLayout xmlns:a="http://schemas.openxmlformats.org/drawingml/2006/main" xmlns:r="http://schemas.openxmlformats.org/officeDocument/2006/relationships" xmlns:p="http://schemas.openxmlformats.org/presentationml/2006/main" showMasterSp="0" type="title" preserve="1">
   <p:cSld name="標題投影片">
@@ -797,7 +1315,7 @@
           <a:p>
             <a:fld id="{0C5196E0-70D9-B84F-AABD-8A38CC670BEB}" type="datetimeFigureOut">
               <a:rPr kumimoji="1" lang="zh-TW" altLang="en-US" smtClean="0"/>
-              <a:t>2015/12/1</a:t>
+              <a:t>2015/12/3</a:t>
             </a:fld>
             <a:endParaRPr kumimoji="1" lang="zh-TW" altLang="en-US"/>
           </a:p>
@@ -1010,7 +1528,7 @@
           <a:p>
             <a:fld id="{0C5196E0-70D9-B84F-AABD-8A38CC670BEB}" type="datetimeFigureOut">
               <a:rPr kumimoji="1" lang="zh-TW" altLang="en-US" smtClean="0"/>
-              <a:t>2015/12/1</a:t>
+              <a:t>2015/12/3</a:t>
             </a:fld>
             <a:endParaRPr kumimoji="1" lang="zh-TW" altLang="en-US"/>
           </a:p>
@@ -1266,7 +1784,7 @@
           <a:p>
             <a:fld id="{0C5196E0-70D9-B84F-AABD-8A38CC670BEB}" type="datetimeFigureOut">
               <a:rPr kumimoji="1" lang="zh-TW" altLang="en-US" smtClean="0"/>
-              <a:t>2015/12/1</a:t>
+              <a:t>2015/12/3</a:t>
             </a:fld>
             <a:endParaRPr kumimoji="1" lang="zh-TW" altLang="en-US"/>
           </a:p>
@@ -1440,7 +1958,7 @@
           <a:p>
             <a:fld id="{0C5196E0-70D9-B84F-AABD-8A38CC670BEB}" type="datetimeFigureOut">
               <a:rPr kumimoji="1" lang="zh-TW" altLang="en-US" smtClean="0"/>
-              <a:t>2015/12/1</a:t>
+              <a:t>2015/12/3</a:t>
             </a:fld>
             <a:endParaRPr kumimoji="1" lang="zh-TW" altLang="en-US"/>
           </a:p>
@@ -1783,7 +2301,7 @@
           <a:p>
             <a:fld id="{0C5196E0-70D9-B84F-AABD-8A38CC670BEB}" type="datetimeFigureOut">
               <a:rPr kumimoji="1" lang="zh-TW" altLang="en-US" smtClean="0"/>
-              <a:t>2015/12/1</a:t>
+              <a:t>2015/12/3</a:t>
             </a:fld>
             <a:endParaRPr kumimoji="1" lang="zh-TW" altLang="en-US"/>
           </a:p>
@@ -2058,7 +2576,7 @@
           <a:p>
             <a:fld id="{0C5196E0-70D9-B84F-AABD-8A38CC670BEB}" type="datetimeFigureOut">
               <a:rPr kumimoji="1" lang="zh-TW" altLang="en-US" smtClean="0"/>
-              <a:t>2015/12/1</a:t>
+              <a:t>2015/12/3</a:t>
             </a:fld>
             <a:endParaRPr kumimoji="1" lang="zh-TW" altLang="en-US"/>
           </a:p>
@@ -2437,7 +2955,7 @@
           <a:p>
             <a:fld id="{0C5196E0-70D9-B84F-AABD-8A38CC670BEB}" type="datetimeFigureOut">
               <a:rPr kumimoji="1" lang="zh-TW" altLang="en-US" smtClean="0"/>
-              <a:t>2015/12/1</a:t>
+              <a:t>2015/12/3</a:t>
             </a:fld>
             <a:endParaRPr kumimoji="1" lang="zh-TW" altLang="en-US"/>
           </a:p>
@@ -2555,7 +3073,7 @@
           <a:p>
             <a:fld id="{0C5196E0-70D9-B84F-AABD-8A38CC670BEB}" type="datetimeFigureOut">
               <a:rPr kumimoji="1" lang="zh-TW" altLang="en-US" smtClean="0"/>
-              <a:t>2015/12/1</a:t>
+              <a:t>2015/12/3</a:t>
             </a:fld>
             <a:endParaRPr kumimoji="1" lang="zh-TW" altLang="en-US"/>
           </a:p>
@@ -2726,7 +3244,7 @@
           <a:p>
             <a:fld id="{0C5196E0-70D9-B84F-AABD-8A38CC670BEB}" type="datetimeFigureOut">
               <a:rPr kumimoji="1" lang="zh-TW" altLang="en-US" smtClean="0"/>
-              <a:t>2015/12/1</a:t>
+              <a:t>2015/12/3</a:t>
             </a:fld>
             <a:endParaRPr kumimoji="1" lang="zh-TW" altLang="en-US"/>
           </a:p>
@@ -3085,7 +3603,7 @@
           <a:p>
             <a:fld id="{0C5196E0-70D9-B84F-AABD-8A38CC670BEB}" type="datetimeFigureOut">
               <a:rPr kumimoji="1" lang="zh-TW" altLang="en-US" smtClean="0"/>
-              <a:t>2015/12/1</a:t>
+              <a:t>2015/12/3</a:t>
             </a:fld>
             <a:endParaRPr kumimoji="1" lang="zh-TW" altLang="en-US"/>
           </a:p>
@@ -3472,7 +3990,7 @@
           <a:p>
             <a:fld id="{0C5196E0-70D9-B84F-AABD-8A38CC670BEB}" type="datetimeFigureOut">
               <a:rPr kumimoji="1" lang="zh-TW" altLang="en-US" smtClean="0"/>
-              <a:t>2015/12/1</a:t>
+              <a:t>2015/12/3</a:t>
             </a:fld>
             <a:endParaRPr kumimoji="1" lang="zh-TW" altLang="en-US"/>
           </a:p>
@@ -3759,7 +4277,7 @@
           <a:p>
             <a:fld id="{0C5196E0-70D9-B84F-AABD-8A38CC670BEB}" type="datetimeFigureOut">
               <a:rPr kumimoji="1" lang="zh-TW" altLang="en-US" smtClean="0"/>
-              <a:t>2015/12/1</a:t>
+              <a:t>2015/12/3</a:t>
             </a:fld>
             <a:endParaRPr kumimoji="1" lang="zh-TW" altLang="en-US"/>
           </a:p>
@@ -4364,6 +4882,363 @@
 </p:sld>
 </file>
 
+<file path=ppt/slides/slide10.xml><?xml version="1.0" encoding="utf-8"?>
+<p:sld xmlns:a="http://schemas.openxmlformats.org/drawingml/2006/main" xmlns:r="http://schemas.openxmlformats.org/officeDocument/2006/relationships" xmlns:p="http://schemas.openxmlformats.org/presentationml/2006/main">
+  <p:cSld>
+    <p:spTree>
+      <p:nvGrpSpPr>
+        <p:cNvPr id="1" name=""/>
+        <p:cNvGrpSpPr/>
+        <p:nvPr/>
+      </p:nvGrpSpPr>
+      <p:grpSpPr>
+        <a:xfrm>
+          <a:off x="0" y="0"/>
+          <a:ext cx="0" cy="0"/>
+          <a:chOff x="0" y="0"/>
+          <a:chExt cx="0" cy="0"/>
+        </a:xfrm>
+      </p:grpSpPr>
+      <p:sp>
+        <p:nvSpPr>
+          <p:cNvPr id="2" name="標題 1"/>
+          <p:cNvSpPr>
+            <a:spLocks noGrp="1"/>
+          </p:cNvSpPr>
+          <p:nvPr>
+            <p:ph type="title"/>
+          </p:nvPr>
+        </p:nvSpPr>
+        <p:spPr/>
+        <p:txBody>
+          <a:bodyPr/>
+          <a:lstStyle/>
+          <a:p>
+            <a:r>
+              <a:rPr kumimoji="1" lang="zh-TW" altLang="en-US" dirty="0" smtClean="0"/>
+              <a:t>巧克力棒 ＆巧克力磚</a:t>
+            </a:r>
+            <a:endParaRPr kumimoji="1" lang="zh-TW" altLang="en-US" dirty="0"/>
+          </a:p>
+        </p:txBody>
+      </p:sp>
+      <p:pic>
+        <p:nvPicPr>
+          <p:cNvPr id="4" name="內容版面配置區 3"/>
+          <p:cNvPicPr>
+            <a:picLocks noGrp="1" noChangeAspect="1"/>
+          </p:cNvPicPr>
+          <p:nvPr>
+            <p:ph idx="1"/>
+          </p:nvPr>
+        </p:nvPicPr>
+        <p:blipFill>
+          <a:blip r:embed="rId2">
+            <a:extLst>
+              <a:ext uri="{28A0092B-C50C-407E-A947-70E740481C1C}">
+                <a14:useLocalDpi xmlns:a14="http://schemas.microsoft.com/office/drawing/2010/main" val="0"/>
+              </a:ext>
+            </a:extLst>
+          </a:blip>
+          <a:stretch>
+            <a:fillRect/>
+          </a:stretch>
+        </p:blipFill>
+        <p:spPr>
+          <a:xfrm>
+            <a:off x="1097280" y="2167987"/>
+            <a:ext cx="9906000" cy="1333500"/>
+          </a:xfrm>
+        </p:spPr>
+      </p:pic>
+      <p:pic>
+        <p:nvPicPr>
+          <p:cNvPr id="5" name="圖片 4"/>
+          <p:cNvPicPr>
+            <a:picLocks noChangeAspect="1"/>
+          </p:cNvPicPr>
+          <p:nvPr/>
+        </p:nvPicPr>
+        <p:blipFill>
+          <a:blip r:embed="rId3">
+            <a:extLst>
+              <a:ext uri="{28A0092B-C50C-407E-A947-70E740481C1C}">
+                <a14:useLocalDpi xmlns:a14="http://schemas.microsoft.com/office/drawing/2010/main" val="0"/>
+              </a:ext>
+            </a:extLst>
+          </a:blip>
+          <a:stretch>
+            <a:fillRect/>
+          </a:stretch>
+        </p:blipFill>
+        <p:spPr>
+          <a:xfrm>
+            <a:off x="1097280" y="3853493"/>
+            <a:ext cx="9969500" cy="1358900"/>
+          </a:xfrm>
+          <a:prstGeom prst="rect">
+            <a:avLst/>
+          </a:prstGeom>
+        </p:spPr>
+      </p:pic>
+    </p:spTree>
+    <p:extLst>
+      <p:ext uri="{BB962C8B-B14F-4D97-AF65-F5344CB8AC3E}">
+        <p14:creationId xmlns:p14="http://schemas.microsoft.com/office/powerpoint/2010/main" val="1538651505"/>
+      </p:ext>
+    </p:extLst>
+  </p:cSld>
+  <p:clrMapOvr>
+    <a:masterClrMapping/>
+  </p:clrMapOvr>
+</p:sld>
+</file>
+
+<file path=ppt/slides/slide11.xml><?xml version="1.0" encoding="utf-8"?>
+<p:sld xmlns:a="http://schemas.openxmlformats.org/drawingml/2006/main" xmlns:r="http://schemas.openxmlformats.org/officeDocument/2006/relationships" xmlns:p="http://schemas.openxmlformats.org/presentationml/2006/main">
+  <p:cSld>
+    <p:spTree>
+      <p:nvGrpSpPr>
+        <p:cNvPr id="1" name=""/>
+        <p:cNvGrpSpPr/>
+        <p:nvPr/>
+      </p:nvGrpSpPr>
+      <p:grpSpPr>
+        <a:xfrm>
+          <a:off x="0" y="0"/>
+          <a:ext cx="0" cy="0"/>
+          <a:chOff x="0" y="0"/>
+          <a:chExt cx="0" cy="0"/>
+        </a:xfrm>
+      </p:grpSpPr>
+      <p:sp>
+        <p:nvSpPr>
+          <p:cNvPr id="2" name="標題 1"/>
+          <p:cNvSpPr>
+            <a:spLocks noGrp="1"/>
+          </p:cNvSpPr>
+          <p:nvPr>
+            <p:ph type="title"/>
+          </p:nvPr>
+        </p:nvSpPr>
+        <p:spPr/>
+        <p:txBody>
+          <a:bodyPr/>
+          <a:lstStyle/>
+          <a:p>
+            <a:r>
+              <a:rPr kumimoji="1" lang="zh-TW" altLang="en-US" dirty="0" smtClean="0"/>
+              <a:t>參考資料</a:t>
+            </a:r>
+            <a:endParaRPr kumimoji="1" lang="zh-TW" altLang="en-US" dirty="0"/>
+          </a:p>
+        </p:txBody>
+      </p:sp>
+      <p:sp>
+        <p:nvSpPr>
+          <p:cNvPr id="3" name="內容版面配置區 2"/>
+          <p:cNvSpPr>
+            <a:spLocks noGrp="1"/>
+          </p:cNvSpPr>
+          <p:nvPr>
+            <p:ph idx="1"/>
+          </p:nvPr>
+        </p:nvSpPr>
+        <p:spPr>
+          <a:xfrm>
+            <a:off x="1097280" y="2248690"/>
+            <a:ext cx="10058400" cy="4023360"/>
+          </a:xfrm>
+        </p:spPr>
+        <p:txBody>
+          <a:bodyPr/>
+          <a:lstStyle/>
+          <a:p>
+            <a:r>
+              <a:rPr kumimoji="1" lang="en-US" altLang="zh-TW" dirty="0">
+                <a:hlinkClick r:id="rId2"/>
+              </a:rPr>
+              <a:t>http://technote.cc/programming/factory-pattern</a:t>
+            </a:r>
+            <a:r>
+              <a:rPr kumimoji="1" lang="en-US" altLang="zh-TW" dirty="0" smtClean="0">
+                <a:hlinkClick r:id="rId2"/>
+              </a:rPr>
+              <a:t>/</a:t>
+            </a:r>
+            <a:endParaRPr kumimoji="1" lang="zh-TW" altLang="en-US" dirty="0"/>
+          </a:p>
+          <a:p>
+            <a:r>
+              <a:rPr kumimoji="1" lang="en-US" altLang="zh-TW" dirty="0">
+                <a:hlinkClick r:id="rId3"/>
+              </a:rPr>
+              <a:t>http://</a:t>
+            </a:r>
+            <a:r>
+              <a:rPr kumimoji="1" lang="en-US" altLang="zh-TW" dirty="0" smtClean="0">
+                <a:hlinkClick r:id="rId3"/>
+              </a:rPr>
+              <a:t>blog.monkeypotion.net/gameprog/pattern/factory-method</a:t>
+            </a:r>
+            <a:endParaRPr kumimoji="1" lang="zh-TW" altLang="en-US" dirty="0" smtClean="0"/>
+          </a:p>
+          <a:p>
+            <a:endParaRPr kumimoji="1" lang="zh-TW" altLang="en-US" dirty="0"/>
+          </a:p>
+        </p:txBody>
+      </p:sp>
+    </p:spTree>
+    <p:extLst>
+      <p:ext uri="{BB962C8B-B14F-4D97-AF65-F5344CB8AC3E}">
+        <p14:creationId xmlns:p14="http://schemas.microsoft.com/office/powerpoint/2010/main" val="1957939054"/>
+      </p:ext>
+    </p:extLst>
+  </p:cSld>
+  <p:clrMapOvr>
+    <a:masterClrMapping/>
+  </p:clrMapOvr>
+</p:sld>
+</file>
+
+<file path=ppt/slides/slide12.xml><?xml version="1.0" encoding="utf-8"?>
+<p:sld xmlns:a="http://schemas.openxmlformats.org/drawingml/2006/main" xmlns:r="http://schemas.openxmlformats.org/officeDocument/2006/relationships" xmlns:p="http://schemas.openxmlformats.org/presentationml/2006/main">
+  <p:cSld>
+    <p:spTree>
+      <p:nvGrpSpPr>
+        <p:cNvPr id="1" name=""/>
+        <p:cNvGrpSpPr/>
+        <p:nvPr/>
+      </p:nvGrpSpPr>
+      <p:grpSpPr>
+        <a:xfrm>
+          <a:off x="0" y="0"/>
+          <a:ext cx="0" cy="0"/>
+          <a:chOff x="0" y="0"/>
+          <a:chExt cx="0" cy="0"/>
+        </a:xfrm>
+      </p:grpSpPr>
+      <p:sp>
+        <p:nvSpPr>
+          <p:cNvPr id="4" name="矩形 3"/>
+          <p:cNvSpPr/>
+          <p:nvPr/>
+        </p:nvSpPr>
+        <p:spPr>
+          <a:xfrm>
+            <a:off x="740819" y="407375"/>
+            <a:ext cx="10755824" cy="1999282"/>
+          </a:xfrm>
+          <a:prstGeom prst="rect">
+            <a:avLst/>
+          </a:prstGeom>
+          <a:solidFill>
+            <a:schemeClr val="bg1"/>
+          </a:solidFill>
+          <a:ln>
+            <a:solidFill>
+              <a:schemeClr val="bg1"/>
+            </a:solidFill>
+          </a:ln>
+        </p:spPr>
+        <p:style>
+          <a:lnRef idx="2">
+            <a:schemeClr val="accent1">
+              <a:shade val="50000"/>
+            </a:schemeClr>
+          </a:lnRef>
+          <a:fillRef idx="1">
+            <a:schemeClr val="accent1"/>
+          </a:fillRef>
+          <a:effectRef idx="0">
+            <a:schemeClr val="accent1"/>
+          </a:effectRef>
+          <a:fontRef idx="minor">
+            <a:schemeClr val="lt1"/>
+          </a:fontRef>
+        </p:style>
+        <p:txBody>
+          <a:bodyPr rtlCol="0" anchor="ctr"/>
+          <a:lstStyle/>
+          <a:p>
+            <a:pPr algn="ctr"/>
+            <a:endParaRPr kumimoji="1" lang="zh-TW" altLang="en-US"/>
+          </a:p>
+        </p:txBody>
+      </p:sp>
+      <p:sp>
+        <p:nvSpPr>
+          <p:cNvPr id="2" name="標題 1"/>
+          <p:cNvSpPr>
+            <a:spLocks noGrp="1"/>
+          </p:cNvSpPr>
+          <p:nvPr>
+            <p:ph type="title"/>
+          </p:nvPr>
+        </p:nvSpPr>
+        <p:spPr>
+          <a:xfrm>
+            <a:off x="4475911" y="1809972"/>
+            <a:ext cx="10058400" cy="1450757"/>
+          </a:xfrm>
+        </p:spPr>
+        <p:txBody>
+          <a:bodyPr/>
+          <a:lstStyle/>
+          <a:p>
+            <a:r>
+              <a:rPr kumimoji="1" lang="en-US" altLang="zh-TW" dirty="0" smtClean="0"/>
+              <a:t>Thank</a:t>
+            </a:r>
+            <a:r>
+              <a:rPr kumimoji="1" lang="zh-TW" altLang="en-US" dirty="0" smtClean="0"/>
+              <a:t> </a:t>
+            </a:r>
+            <a:r>
+              <a:rPr kumimoji="1" lang="en-US" altLang="zh-TW" dirty="0" smtClean="0"/>
+              <a:t>you!</a:t>
+            </a:r>
+            <a:endParaRPr kumimoji="1" lang="zh-TW" altLang="en-US" dirty="0"/>
+          </a:p>
+        </p:txBody>
+      </p:sp>
+      <p:sp>
+        <p:nvSpPr>
+          <p:cNvPr id="3" name="內容版面配置區 2"/>
+          <p:cNvSpPr>
+            <a:spLocks noGrp="1"/>
+          </p:cNvSpPr>
+          <p:nvPr>
+            <p:ph idx="1"/>
+          </p:nvPr>
+        </p:nvSpPr>
+        <p:spPr>
+          <a:xfrm>
+            <a:off x="1089531" y="4573436"/>
+            <a:ext cx="10058400" cy="4023360"/>
+          </a:xfrm>
+        </p:spPr>
+        <p:txBody>
+          <a:bodyPr/>
+          <a:lstStyle/>
+          <a:p>
+            <a:endParaRPr kumimoji="1" lang="zh-TW" altLang="en-US" dirty="0"/>
+          </a:p>
+        </p:txBody>
+      </p:sp>
+    </p:spTree>
+    <p:extLst>
+      <p:ext uri="{BB962C8B-B14F-4D97-AF65-F5344CB8AC3E}">
+        <p14:creationId xmlns:p14="http://schemas.microsoft.com/office/powerpoint/2010/main" val="1035695562"/>
+      </p:ext>
+    </p:extLst>
+  </p:cSld>
+  <p:clrMapOvr>
+    <a:masterClrMapping/>
+  </p:clrMapOvr>
+</p:sld>
+</file>
+
 <file path=ppt/slides/slide2.xml><?xml version="1.0" encoding="utf-8"?>
 <p:sld xmlns:a="http://schemas.openxmlformats.org/drawingml/2006/main" xmlns:r="http://schemas.openxmlformats.org/officeDocument/2006/relationships" xmlns:p="http://schemas.openxmlformats.org/presentationml/2006/main">
   <p:cSld>
@@ -4584,6 +5459,130 @@
           <a:p>
             <a:r>
               <a:rPr kumimoji="1" lang="zh-TW" altLang="en-US" dirty="0" smtClean="0"/>
+              <a:t>目的</a:t>
+            </a:r>
+            <a:endParaRPr kumimoji="1" lang="zh-TW" altLang="en-US" dirty="0"/>
+          </a:p>
+        </p:txBody>
+      </p:sp>
+      <p:sp>
+        <p:nvSpPr>
+          <p:cNvPr id="3" name="內容版面配置區 2"/>
+          <p:cNvSpPr>
+            <a:spLocks noGrp="1"/>
+          </p:cNvSpPr>
+          <p:nvPr>
+            <p:ph idx="1"/>
+          </p:nvPr>
+        </p:nvSpPr>
+        <p:spPr>
+          <a:xfrm>
+            <a:off x="1097280" y="2202195"/>
+            <a:ext cx="10058400" cy="4023360"/>
+          </a:xfrm>
+        </p:spPr>
+        <p:txBody>
+          <a:bodyPr>
+            <a:normAutofit/>
+          </a:bodyPr>
+          <a:lstStyle/>
+          <a:p>
+            <a:r>
+              <a:rPr lang="zh-TW" altLang="en-US" sz="4000" dirty="0" smtClean="0"/>
+              <a:t>將</a:t>
+            </a:r>
+            <a:r>
+              <a:rPr lang="zh-TW" altLang="en-US" sz="4000" dirty="0"/>
+              <a:t>物件的具現化過程加以抽象化而提取出來</a:t>
+            </a:r>
+            <a:r>
+              <a:rPr lang="zh-TW" altLang="en-US" sz="4000" dirty="0" smtClean="0"/>
+              <a:t>，</a:t>
+            </a:r>
+          </a:p>
+          <a:p>
+            <a:r>
+              <a:rPr lang="zh-TW" altLang="en-US" sz="4000" dirty="0" smtClean="0"/>
+              <a:t>用來</a:t>
+            </a:r>
+            <a:r>
+              <a:rPr lang="zh-TW" altLang="en-US" sz="4000" dirty="0"/>
+              <a:t>處理與物件相關的創建</a:t>
+            </a:r>
+            <a:r>
+              <a:rPr lang="zh-TW" altLang="en-US" sz="4000" dirty="0" smtClean="0"/>
+              <a:t>行為</a:t>
+            </a:r>
+            <a:r>
+              <a:rPr lang="zh-TW" altLang="en-US" sz="4000" dirty="0" smtClean="0"/>
+              <a:t>與消</a:t>
+            </a:r>
+            <a:r>
+              <a:rPr lang="zh-TW" altLang="en-US" sz="4000" dirty="0" smtClean="0"/>
+              <a:t>滅行為</a:t>
+            </a:r>
+            <a:r>
+              <a:rPr lang="zh-TW" altLang="en-US" sz="4000" dirty="0"/>
+              <a:t>。</a:t>
+            </a:r>
+            <a:endParaRPr kumimoji="1" lang="zh-TW" altLang="en-US" sz="4000" dirty="0"/>
+          </a:p>
+        </p:txBody>
+      </p:sp>
+    </p:spTree>
+    <p:extLst>
+      <p:ext uri="{BB962C8B-B14F-4D97-AF65-F5344CB8AC3E}">
+        <p14:creationId xmlns:p14="http://schemas.microsoft.com/office/powerpoint/2010/main" val="611215436"/>
+      </p:ext>
+    </p:extLst>
+  </p:cSld>
+  <p:clrMapOvr>
+    <a:masterClrMapping/>
+  </p:clrMapOvr>
+  <p:timing>
+    <p:tnLst>
+      <p:par>
+        <p:cTn id="1" dur="indefinite" restart="never" nodeType="tmRoot"/>
+      </p:par>
+    </p:tnLst>
+  </p:timing>
+</p:sld>
+</file>
+
+<file path=ppt/slides/slide4.xml><?xml version="1.0" encoding="utf-8"?>
+<p:sld xmlns:a="http://schemas.openxmlformats.org/drawingml/2006/main" xmlns:r="http://schemas.openxmlformats.org/officeDocument/2006/relationships" xmlns:p="http://schemas.openxmlformats.org/presentationml/2006/main">
+  <p:cSld>
+    <p:spTree>
+      <p:nvGrpSpPr>
+        <p:cNvPr id="1" name=""/>
+        <p:cNvGrpSpPr/>
+        <p:nvPr/>
+      </p:nvGrpSpPr>
+      <p:grpSpPr>
+        <a:xfrm>
+          <a:off x="0" y="0"/>
+          <a:ext cx="0" cy="0"/>
+          <a:chOff x="0" y="0"/>
+          <a:chExt cx="0" cy="0"/>
+        </a:xfrm>
+      </p:grpSpPr>
+      <p:sp>
+        <p:nvSpPr>
+          <p:cNvPr id="2" name="標題 1"/>
+          <p:cNvSpPr>
+            <a:spLocks noGrp="1"/>
+          </p:cNvSpPr>
+          <p:nvPr>
+            <p:ph type="title"/>
+          </p:nvPr>
+        </p:nvSpPr>
+        <p:spPr/>
+        <p:txBody>
+          <a:bodyPr/>
+          <a:lstStyle/>
+          <a:p>
+            <a:r>
+              <a:rPr kumimoji="1" lang="zh-TW" altLang="en-US" dirty="0" smtClean="0"/>
               <a:t>使用時機</a:t>
             </a:r>
             <a:endParaRPr kumimoji="1" lang="zh-TW" altLang="en-US" dirty="0"/>
@@ -4678,7 +5677,7 @@
           <p:nvPr/>
         </p:nvPicPr>
         <p:blipFill>
-          <a:blip r:embed="rId2"/>
+          <a:blip r:embed="rId3"/>
           <a:stretch>
             <a:fillRect/>
           </a:stretch>
@@ -4858,7 +5857,7 @@
 </p:sld>
 </file>
 
-<file path=ppt/slides/slide4.xml><?xml version="1.0" encoding="utf-8"?>
+<file path=ppt/slides/slide5.xml><?xml version="1.0" encoding="utf-8"?>
 <p:sld xmlns:a="http://schemas.openxmlformats.org/drawingml/2006/main" xmlns:r="http://schemas.openxmlformats.org/officeDocument/2006/relationships" xmlns:p="http://schemas.openxmlformats.org/presentationml/2006/main">
   <p:cSld>
     <p:spTree>
@@ -4890,7 +5889,11 @@
           <a:bodyPr/>
           <a:lstStyle/>
           <a:p>
-            <a:endParaRPr kumimoji="1" lang="zh-TW" altLang="en-US"/>
+            <a:r>
+              <a:rPr kumimoji="1" lang="zh-TW" altLang="en-US" dirty="0" smtClean="0"/>
+              <a:t>特性</a:t>
+            </a:r>
+            <a:endParaRPr kumimoji="1" lang="zh-TW" altLang="en-US" dirty="0"/>
           </a:p>
         </p:txBody>
       </p:sp>
@@ -4909,7 +5912,377 @@
           <a:bodyPr/>
           <a:lstStyle/>
           <a:p>
-            <a:endParaRPr kumimoji="1" lang="zh-TW" altLang="en-US"/>
+            <a:r>
+              <a:rPr lang="zh-TW" altLang="en-US" b="1" dirty="0"/>
+              <a:t>不論工廠內部的管理方法、製造流程如何地更換變動，都不會影響到系統外部使用者的操作行為，這就是使用 </a:t>
+            </a:r>
+            <a:r>
+              <a:rPr lang="en-US" altLang="zh-TW" b="1" dirty="0"/>
+              <a:t>Factory Method </a:t>
+            </a:r>
+            <a:r>
+              <a:rPr lang="zh-TW" altLang="en-US" b="1" dirty="0"/>
+              <a:t>模式所帶來的程式架構益處</a:t>
+            </a:r>
+            <a:r>
+              <a:rPr lang="zh-TW" altLang="en-US" b="1" dirty="0" smtClean="0"/>
+              <a:t>。</a:t>
+            </a:r>
+          </a:p>
+          <a:p>
+            <a:r>
+              <a:rPr lang="zh-TW" altLang="en-US" dirty="0" smtClean="0"/>
+              <a:t>對於</a:t>
+            </a:r>
+            <a:r>
+              <a:rPr lang="zh-TW" altLang="en-US" dirty="0"/>
+              <a:t>系統外部的使用者來說，以 </a:t>
+            </a:r>
+            <a:r>
+              <a:rPr lang="en-US" altLang="zh-TW" dirty="0"/>
+              <a:t>Factory Method </a:t>
+            </a:r>
+            <a:r>
+              <a:rPr lang="zh-TW" altLang="en-US" dirty="0"/>
+              <a:t>實現出來的程式組件，就像是真實的工廠般準確無誤的運作：只要將事先約定好的資訊（貼圖檔案名稱）交遞給工廠，它就能夠生產出使用者所要求的產品（貼圖物件）</a:t>
+            </a:r>
+            <a:r>
+              <a:rPr lang="zh-TW" altLang="en-US" dirty="0" smtClean="0"/>
+              <a:t>。</a:t>
+            </a:r>
+          </a:p>
+          <a:p>
+            <a:r>
+              <a:rPr lang="zh-TW" altLang="en-US" dirty="0" smtClean="0"/>
+              <a:t>使用</a:t>
+            </a:r>
+            <a:r>
+              <a:rPr lang="zh-TW" altLang="en-US" dirty="0"/>
+              <a:t>者通常並不會也不需要關心成品的生產過程或生成模式，因此利用 </a:t>
+            </a:r>
+            <a:r>
+              <a:rPr lang="en-US" altLang="zh-TW" dirty="0"/>
+              <a:t>Factory Method </a:t>
+            </a:r>
+            <a:r>
+              <a:rPr lang="zh-TW" altLang="en-US" dirty="0"/>
+              <a:t>創建物件產品，正好能夠</a:t>
+            </a:r>
+            <a:r>
+              <a:rPr lang="zh-TW" altLang="en-US" b="1" dirty="0"/>
+              <a:t>完善地封裝隱藏物件生成過程的實做細節</a:t>
+            </a:r>
+            <a:r>
+              <a:rPr lang="zh-TW" altLang="en-US" dirty="0"/>
+              <a:t>。如同</a:t>
+            </a:r>
+            <a:r>
+              <a:rPr lang="zh-TW" altLang="en-US" b="1" dirty="0"/>
+              <a:t>黑盒子</a:t>
+            </a:r>
+            <a:r>
+              <a:rPr lang="zh-TW" altLang="en-US" dirty="0"/>
+              <a:t>的工作程序一樣，使用者不需要去瞭解產品究竟是使用 </a:t>
+            </a:r>
+            <a:r>
+              <a:rPr lang="en-US" altLang="zh-TW" dirty="0"/>
+              <a:t>new operator </a:t>
+            </a:r>
+            <a:r>
+              <a:rPr lang="zh-TW" altLang="en-US" dirty="0"/>
+              <a:t>配置記憶體，或是利用資源回收系統產生出要求的物件，只管直接使用創建出來的物件即可。</a:t>
+            </a:r>
+            <a:endParaRPr kumimoji="1" lang="zh-TW" altLang="en-US" dirty="0"/>
+          </a:p>
+        </p:txBody>
+      </p:sp>
+    </p:spTree>
+    <p:extLst>
+      <p:ext uri="{BB962C8B-B14F-4D97-AF65-F5344CB8AC3E}">
+        <p14:creationId xmlns:p14="http://schemas.microsoft.com/office/powerpoint/2010/main" val="1158603774"/>
+      </p:ext>
+    </p:extLst>
+  </p:cSld>
+  <p:clrMapOvr>
+    <a:masterClrMapping/>
+  </p:clrMapOvr>
+</p:sld>
+</file>
+
+<file path=ppt/slides/slide6.xml><?xml version="1.0" encoding="utf-8"?>
+<p:sld xmlns:a="http://schemas.openxmlformats.org/drawingml/2006/main" xmlns:r="http://schemas.openxmlformats.org/officeDocument/2006/relationships" xmlns:p="http://schemas.openxmlformats.org/presentationml/2006/main">
+  <p:cSld>
+    <p:spTree>
+      <p:nvGrpSpPr>
+        <p:cNvPr id="1" name=""/>
+        <p:cNvGrpSpPr/>
+        <p:nvPr/>
+      </p:nvGrpSpPr>
+      <p:grpSpPr>
+        <a:xfrm>
+          <a:off x="0" y="0"/>
+          <a:ext cx="0" cy="0"/>
+          <a:chOff x="0" y="0"/>
+          <a:chExt cx="0" cy="0"/>
+        </a:xfrm>
+      </p:grpSpPr>
+      <p:sp>
+        <p:nvSpPr>
+          <p:cNvPr id="2" name="標題 1"/>
+          <p:cNvSpPr>
+            <a:spLocks noGrp="1"/>
+          </p:cNvSpPr>
+          <p:nvPr>
+            <p:ph type="title"/>
+          </p:nvPr>
+        </p:nvSpPr>
+        <p:spPr/>
+        <p:txBody>
+          <a:bodyPr>
+            <a:normAutofit/>
+          </a:bodyPr>
+          <a:lstStyle/>
+          <a:p>
+            <a:r>
+              <a:rPr lang="zh-TW" altLang="en-US" dirty="0" smtClean="0"/>
+              <a:t>範例：巧克力工廠</a:t>
+            </a:r>
+            <a:r>
+              <a:rPr lang="zh-TW" altLang="en-US" dirty="0"/>
+              <a:t>要根據客人的訂單生產不同</a:t>
+            </a:r>
+            <a:r>
+              <a:rPr lang="zh-TW" altLang="en-US" dirty="0" smtClean="0"/>
+              <a:t>類型的巧克力產品</a:t>
+            </a:r>
+            <a:endParaRPr kumimoji="1" lang="zh-TW" altLang="en-US" dirty="0"/>
+          </a:p>
+        </p:txBody>
+      </p:sp>
+      <p:sp>
+        <p:nvSpPr>
+          <p:cNvPr id="3" name="內容版面配置區 2"/>
+          <p:cNvSpPr>
+            <a:spLocks noGrp="1"/>
+          </p:cNvSpPr>
+          <p:nvPr>
+            <p:ph idx="1"/>
+          </p:nvPr>
+        </p:nvSpPr>
+        <p:spPr/>
+        <p:txBody>
+          <a:bodyPr/>
+          <a:lstStyle/>
+          <a:p>
+            <a:endParaRPr kumimoji="1" lang="zh-TW" altLang="en-US" dirty="0"/>
+          </a:p>
+        </p:txBody>
+      </p:sp>
+      <p:pic>
+        <p:nvPicPr>
+          <p:cNvPr id="4" name="圖片 3"/>
+          <p:cNvPicPr>
+            <a:picLocks noChangeAspect="1"/>
+          </p:cNvPicPr>
+          <p:nvPr/>
+        </p:nvPicPr>
+        <p:blipFill>
+          <a:blip r:embed="rId3"/>
+          <a:stretch>
+            <a:fillRect/>
+          </a:stretch>
+        </p:blipFill>
+        <p:spPr>
+          <a:xfrm>
+            <a:off x="1716760" y="1445190"/>
+            <a:ext cx="8589613" cy="4824447"/>
+          </a:xfrm>
+          <a:prstGeom prst="rect">
+            <a:avLst/>
+          </a:prstGeom>
+        </p:spPr>
+      </p:pic>
+      <p:sp>
+        <p:nvSpPr>
+          <p:cNvPr id="5" name="矩形 4">
+            <a:hlinkClick r:id="rId4" action="ppaction://hlinksldjump"/>
+          </p:cNvPr>
+          <p:cNvSpPr/>
+          <p:nvPr/>
+        </p:nvSpPr>
+        <p:spPr>
+          <a:xfrm>
+            <a:off x="1482735" y="2681727"/>
+            <a:ext cx="468049" cy="428439"/>
+          </a:xfrm>
+          <a:prstGeom prst="rect">
+            <a:avLst/>
+          </a:prstGeom>
+        </p:spPr>
+        <p:style>
+          <a:lnRef idx="2">
+            <a:schemeClr val="accent1">
+              <a:shade val="50000"/>
+            </a:schemeClr>
+          </a:lnRef>
+          <a:fillRef idx="1">
+            <a:schemeClr val="accent1"/>
+          </a:fillRef>
+          <a:effectRef idx="0">
+            <a:schemeClr val="accent1"/>
+          </a:effectRef>
+          <a:fontRef idx="minor">
+            <a:schemeClr val="lt1"/>
+          </a:fontRef>
+        </p:style>
+        <p:txBody>
+          <a:bodyPr rtlCol="0" anchor="ctr"/>
+          <a:lstStyle/>
+          <a:p>
+            <a:pPr algn="ctr"/>
+            <a:r>
+              <a:rPr kumimoji="1" lang="en-US" altLang="zh-TW" dirty="0" smtClean="0"/>
+              <a:t>1</a:t>
+            </a:r>
+            <a:endParaRPr kumimoji="1" lang="zh-TW" altLang="en-US" dirty="0" smtClean="0"/>
+          </a:p>
+        </p:txBody>
+      </p:sp>
+      <p:sp>
+        <p:nvSpPr>
+          <p:cNvPr id="6" name="矩形 5">
+            <a:hlinkClick r:id="rId5" action="ppaction://hlinksldjump"/>
+          </p:cNvPr>
+          <p:cNvSpPr/>
+          <p:nvPr/>
+        </p:nvSpPr>
+        <p:spPr>
+          <a:xfrm>
+            <a:off x="1482735" y="4879904"/>
+            <a:ext cx="468049" cy="428439"/>
+          </a:xfrm>
+          <a:prstGeom prst="rect">
+            <a:avLst/>
+          </a:prstGeom>
+        </p:spPr>
+        <p:style>
+          <a:lnRef idx="2">
+            <a:schemeClr val="accent1">
+              <a:shade val="50000"/>
+            </a:schemeClr>
+          </a:lnRef>
+          <a:fillRef idx="1">
+            <a:schemeClr val="accent1"/>
+          </a:fillRef>
+          <a:effectRef idx="0">
+            <a:schemeClr val="accent1"/>
+          </a:effectRef>
+          <a:fontRef idx="minor">
+            <a:schemeClr val="lt1"/>
+          </a:fontRef>
+        </p:style>
+        <p:txBody>
+          <a:bodyPr rtlCol="0" anchor="ctr"/>
+          <a:lstStyle/>
+          <a:p>
+            <a:pPr algn="ctr"/>
+            <a:r>
+              <a:rPr kumimoji="1" lang="en-US" altLang="zh-TW" dirty="0" smtClean="0"/>
+              <a:t>2</a:t>
+            </a:r>
+            <a:endParaRPr kumimoji="1" lang="zh-TW" altLang="en-US" dirty="0"/>
+          </a:p>
+        </p:txBody>
+      </p:sp>
+      <p:sp>
+        <p:nvSpPr>
+          <p:cNvPr id="7" name="矩形 6">
+            <a:hlinkClick r:id="rId6" action="ppaction://hlinksldjump"/>
+          </p:cNvPr>
+          <p:cNvSpPr/>
+          <p:nvPr/>
+        </p:nvSpPr>
+        <p:spPr>
+          <a:xfrm>
+            <a:off x="9709752" y="2681727"/>
+            <a:ext cx="468049" cy="428439"/>
+          </a:xfrm>
+          <a:prstGeom prst="rect">
+            <a:avLst/>
+          </a:prstGeom>
+        </p:spPr>
+        <p:style>
+          <a:lnRef idx="2">
+            <a:schemeClr val="accent1">
+              <a:shade val="50000"/>
+            </a:schemeClr>
+          </a:lnRef>
+          <a:fillRef idx="1">
+            <a:schemeClr val="accent1"/>
+          </a:fillRef>
+          <a:effectRef idx="0">
+            <a:schemeClr val="accent1"/>
+          </a:effectRef>
+          <a:fontRef idx="minor">
+            <a:schemeClr val="lt1"/>
+          </a:fontRef>
+        </p:style>
+        <p:txBody>
+          <a:bodyPr rtlCol="0" anchor="ctr"/>
+          <a:lstStyle/>
+          <a:p>
+            <a:pPr algn="ctr"/>
+            <a:r>
+              <a:rPr kumimoji="1" lang="en-US" altLang="zh-TW" dirty="0" smtClean="0"/>
+              <a:t>3</a:t>
+            </a:r>
+            <a:endParaRPr kumimoji="1" lang="zh-TW" altLang="en-US" dirty="0"/>
+          </a:p>
+        </p:txBody>
+      </p:sp>
+      <p:sp>
+        <p:nvSpPr>
+          <p:cNvPr id="8" name="矩形 7">
+            <a:hlinkClick r:id="rId7" action="ppaction://hlinksldjump"/>
+          </p:cNvPr>
+          <p:cNvSpPr/>
+          <p:nvPr/>
+        </p:nvSpPr>
+        <p:spPr>
+          <a:xfrm>
+            <a:off x="7769364" y="5138556"/>
+            <a:ext cx="468049" cy="428439"/>
+          </a:xfrm>
+          <a:prstGeom prst="rect">
+            <a:avLst/>
+          </a:prstGeom>
+        </p:spPr>
+        <p:style>
+          <a:lnRef idx="2">
+            <a:schemeClr val="accent1">
+              <a:shade val="50000"/>
+            </a:schemeClr>
+          </a:lnRef>
+          <a:fillRef idx="1">
+            <a:schemeClr val="accent1"/>
+          </a:fillRef>
+          <a:effectRef idx="0">
+            <a:schemeClr val="accent1"/>
+          </a:effectRef>
+          <a:fontRef idx="minor">
+            <a:schemeClr val="lt1"/>
+          </a:fontRef>
+        </p:style>
+        <p:txBody>
+          <a:bodyPr rtlCol="0" anchor="ctr"/>
+          <a:lstStyle/>
+          <a:p>
+            <a:pPr algn="ctr"/>
+            <a:r>
+              <a:rPr kumimoji="1" lang="en-US" altLang="zh-TW" dirty="0" smtClean="0"/>
+              <a:t>4</a:t>
+            </a:r>
+            <a:endParaRPr kumimoji="1" lang="zh-TW" altLang="en-US" dirty="0"/>
           </a:p>
         </p:txBody>
       </p:sp>
@@ -4930,6 +6303,272 @@
       </p:par>
     </p:tnLst>
   </p:timing>
+</p:sld>
+</file>
+
+<file path=ppt/slides/slide7.xml><?xml version="1.0" encoding="utf-8"?>
+<p:sld xmlns:a="http://schemas.openxmlformats.org/drawingml/2006/main" xmlns:r="http://schemas.openxmlformats.org/officeDocument/2006/relationships" xmlns:p="http://schemas.openxmlformats.org/presentationml/2006/main">
+  <p:cSld>
+    <p:spTree>
+      <p:nvGrpSpPr>
+        <p:cNvPr id="1" name=""/>
+        <p:cNvGrpSpPr/>
+        <p:nvPr/>
+      </p:nvGrpSpPr>
+      <p:grpSpPr>
+        <a:xfrm>
+          <a:off x="0" y="0"/>
+          <a:ext cx="0" cy="0"/>
+          <a:chOff x="0" y="0"/>
+          <a:chExt cx="0" cy="0"/>
+        </a:xfrm>
+      </p:grpSpPr>
+      <p:sp>
+        <p:nvSpPr>
+          <p:cNvPr id="2" name="標題 1"/>
+          <p:cNvSpPr>
+            <a:spLocks noGrp="1"/>
+          </p:cNvSpPr>
+          <p:nvPr>
+            <p:ph type="title"/>
+          </p:nvPr>
+        </p:nvSpPr>
+        <p:spPr/>
+        <p:txBody>
+          <a:bodyPr/>
+          <a:lstStyle/>
+          <a:p>
+            <a:r>
+              <a:rPr lang="zh-TW" altLang="en-US" dirty="0">
+                <a:solidFill>
+                  <a:schemeClr val="tx1"/>
+                </a:solidFill>
+              </a:rPr>
+              <a:t>工廠的介面 </a:t>
+            </a:r>
+            <a:r>
+              <a:rPr lang="en-US" altLang="zh-TW" dirty="0" err="1" smtClean="0">
+                <a:solidFill>
+                  <a:schemeClr val="tx1"/>
+                </a:solidFill>
+              </a:rPr>
+              <a:t>IChocoFactory</a:t>
+            </a:r>
+            <a:endParaRPr kumimoji="1" lang="zh-TW" altLang="en-US" dirty="0"/>
+          </a:p>
+        </p:txBody>
+      </p:sp>
+      <p:pic>
+        <p:nvPicPr>
+          <p:cNvPr id="4" name="內容版面配置區 3"/>
+          <p:cNvPicPr>
+            <a:picLocks noGrp="1" noChangeAspect="1"/>
+          </p:cNvPicPr>
+          <p:nvPr>
+            <p:ph idx="1"/>
+          </p:nvPr>
+        </p:nvPicPr>
+        <p:blipFill>
+          <a:blip r:embed="rId3">
+            <a:extLst>
+              <a:ext uri="{28A0092B-C50C-407E-A947-70E740481C1C}">
+                <a14:useLocalDpi xmlns:a14="http://schemas.microsoft.com/office/drawing/2010/main" val="0"/>
+              </a:ext>
+            </a:extLst>
+          </a:blip>
+          <a:stretch>
+            <a:fillRect/>
+          </a:stretch>
+        </p:blipFill>
+        <p:spPr>
+          <a:xfrm>
+            <a:off x="1173480" y="2044754"/>
+            <a:ext cx="9982200" cy="1270000"/>
+          </a:xfrm>
+        </p:spPr>
+      </p:pic>
+    </p:spTree>
+    <p:extLst>
+      <p:ext uri="{BB962C8B-B14F-4D97-AF65-F5344CB8AC3E}">
+        <p14:creationId xmlns:p14="http://schemas.microsoft.com/office/powerpoint/2010/main" val="676425649"/>
+      </p:ext>
+    </p:extLst>
+  </p:cSld>
+  <p:clrMapOvr>
+    <a:masterClrMapping/>
+  </p:clrMapOvr>
+</p:sld>
+</file>
+
+<file path=ppt/slides/slide8.xml><?xml version="1.0" encoding="utf-8"?>
+<p:sld xmlns:a="http://schemas.openxmlformats.org/drawingml/2006/main" xmlns:r="http://schemas.openxmlformats.org/officeDocument/2006/relationships" xmlns:p="http://schemas.openxmlformats.org/presentationml/2006/main">
+  <p:cSld>
+    <p:spTree>
+      <p:nvGrpSpPr>
+        <p:cNvPr id="1" name=""/>
+        <p:cNvGrpSpPr/>
+        <p:nvPr/>
+      </p:nvGrpSpPr>
+      <p:grpSpPr>
+        <a:xfrm>
+          <a:off x="0" y="0"/>
+          <a:ext cx="0" cy="0"/>
+          <a:chOff x="0" y="0"/>
+          <a:chExt cx="0" cy="0"/>
+        </a:xfrm>
+      </p:grpSpPr>
+      <p:sp>
+        <p:nvSpPr>
+          <p:cNvPr id="2" name="標題 1"/>
+          <p:cNvSpPr>
+            <a:spLocks noGrp="1"/>
+          </p:cNvSpPr>
+          <p:nvPr>
+            <p:ph type="title"/>
+          </p:nvPr>
+        </p:nvSpPr>
+        <p:spPr/>
+        <p:txBody>
+          <a:bodyPr/>
+          <a:lstStyle/>
+          <a:p>
+            <a:r>
+              <a:rPr lang="zh-TW" altLang="en-US" dirty="0"/>
+              <a:t>工廠的介面實做</a:t>
+            </a:r>
+            <a:endParaRPr kumimoji="1" lang="zh-TW" altLang="en-US" dirty="0"/>
+          </a:p>
+        </p:txBody>
+      </p:sp>
+      <p:pic>
+        <p:nvPicPr>
+          <p:cNvPr id="4" name="內容版面配置區 3"/>
+          <p:cNvPicPr>
+            <a:picLocks noGrp="1" noChangeAspect="1"/>
+          </p:cNvPicPr>
+          <p:nvPr>
+            <p:ph idx="1"/>
+          </p:nvPr>
+        </p:nvPicPr>
+        <p:blipFill>
+          <a:blip r:embed="rId2">
+            <a:extLst>
+              <a:ext uri="{28A0092B-C50C-407E-A947-70E740481C1C}">
+                <a14:useLocalDpi xmlns:a14="http://schemas.microsoft.com/office/drawing/2010/main" val="0"/>
+              </a:ext>
+            </a:extLst>
+          </a:blip>
+          <a:stretch>
+            <a:fillRect/>
+          </a:stretch>
+        </p:blipFill>
+        <p:spPr>
+          <a:xfrm>
+            <a:off x="1148080" y="2281748"/>
+            <a:ext cx="10007600" cy="2717800"/>
+          </a:xfrm>
+        </p:spPr>
+      </p:pic>
+    </p:spTree>
+    <p:extLst>
+      <p:ext uri="{BB962C8B-B14F-4D97-AF65-F5344CB8AC3E}">
+        <p14:creationId xmlns:p14="http://schemas.microsoft.com/office/powerpoint/2010/main" val="1530652750"/>
+      </p:ext>
+    </p:extLst>
+  </p:cSld>
+  <p:clrMapOvr>
+    <a:masterClrMapping/>
+  </p:clrMapOvr>
+</p:sld>
+</file>
+
+<file path=ppt/slides/slide9.xml><?xml version="1.0" encoding="utf-8"?>
+<p:sld xmlns:a="http://schemas.openxmlformats.org/drawingml/2006/main" xmlns:r="http://schemas.openxmlformats.org/officeDocument/2006/relationships" xmlns:p="http://schemas.openxmlformats.org/presentationml/2006/main">
+  <p:cSld>
+    <p:spTree>
+      <p:nvGrpSpPr>
+        <p:cNvPr id="1" name=""/>
+        <p:cNvGrpSpPr/>
+        <p:nvPr/>
+      </p:nvGrpSpPr>
+      <p:grpSpPr>
+        <a:xfrm>
+          <a:off x="0" y="0"/>
+          <a:ext cx="0" cy="0"/>
+          <a:chOff x="0" y="0"/>
+          <a:chExt cx="0" cy="0"/>
+        </a:xfrm>
+      </p:grpSpPr>
+      <p:sp>
+        <p:nvSpPr>
+          <p:cNvPr id="2" name="標題 1"/>
+          <p:cNvSpPr>
+            <a:spLocks noGrp="1"/>
+          </p:cNvSpPr>
+          <p:nvPr>
+            <p:ph type="title"/>
+          </p:nvPr>
+        </p:nvSpPr>
+        <p:spPr/>
+        <p:txBody>
+          <a:bodyPr/>
+          <a:lstStyle/>
+          <a:p>
+            <a:r>
+              <a:rPr kumimoji="1" lang="zh-TW" altLang="en-US" dirty="0" smtClean="0"/>
+              <a:t>巧克力</a:t>
+            </a:r>
+            <a:r>
+              <a:rPr kumimoji="1" lang="en-US" altLang="zh-TW" dirty="0"/>
+              <a:t>C</a:t>
+            </a:r>
+            <a:r>
+              <a:rPr kumimoji="1" lang="en-US" altLang="zh-TW" dirty="0" smtClean="0"/>
+              <a:t>lass</a:t>
+            </a:r>
+            <a:endParaRPr kumimoji="1" lang="zh-TW" altLang="en-US" dirty="0"/>
+          </a:p>
+        </p:txBody>
+      </p:sp>
+      <p:pic>
+        <p:nvPicPr>
+          <p:cNvPr id="4" name="內容版面配置區 3"/>
+          <p:cNvPicPr>
+            <a:picLocks noGrp="1" noChangeAspect="1"/>
+          </p:cNvPicPr>
+          <p:nvPr>
+            <p:ph idx="1"/>
+          </p:nvPr>
+        </p:nvPicPr>
+        <p:blipFill>
+          <a:blip r:embed="rId2">
+            <a:extLst>
+              <a:ext uri="{28A0092B-C50C-407E-A947-70E740481C1C}">
+                <a14:useLocalDpi xmlns:a14="http://schemas.microsoft.com/office/drawing/2010/main" val="0"/>
+              </a:ext>
+            </a:extLst>
+          </a:blip>
+          <a:stretch>
+            <a:fillRect/>
+          </a:stretch>
+        </p:blipFill>
+        <p:spPr>
+          <a:xfrm>
+            <a:off x="1097280" y="1861761"/>
+            <a:ext cx="8604466" cy="4022725"/>
+          </a:xfrm>
+        </p:spPr>
+      </p:pic>
+    </p:spTree>
+    <p:extLst>
+      <p:ext uri="{BB962C8B-B14F-4D97-AF65-F5344CB8AC3E}">
+        <p14:creationId xmlns:p14="http://schemas.microsoft.com/office/powerpoint/2010/main" val="322669731"/>
+      </p:ext>
+    </p:extLst>
+  </p:cSld>
+  <p:clrMapOvr>
+    <a:masterClrMapping/>
+  </p:clrMapOvr>
 </p:sld>
 </file>
 

--- a/factorypattern.pptx
+++ b/factorypattern.pptx
@@ -208,7 +208,7 @@
           <a:p>
             <a:fld id="{299BC330-24CE-C241-8ABC-AFB73261450A}" type="datetimeFigureOut">
               <a:rPr kumimoji="1" lang="zh-TW" altLang="en-US" smtClean="0"/>
-              <a:t>2015/12/3</a:t>
+              <a:t>2015/12/7</a:t>
             </a:fld>
             <a:endParaRPr kumimoji="1" lang="zh-TW" altLang="en-US"/>
           </a:p>
@@ -1315,7 +1315,7 @@
           <a:p>
             <a:fld id="{0C5196E0-70D9-B84F-AABD-8A38CC670BEB}" type="datetimeFigureOut">
               <a:rPr kumimoji="1" lang="zh-TW" altLang="en-US" smtClean="0"/>
-              <a:t>2015/12/3</a:t>
+              <a:t>2015/12/7</a:t>
             </a:fld>
             <a:endParaRPr kumimoji="1" lang="zh-TW" altLang="en-US"/>
           </a:p>
@@ -1528,7 +1528,7 @@
           <a:p>
             <a:fld id="{0C5196E0-70D9-B84F-AABD-8A38CC670BEB}" type="datetimeFigureOut">
               <a:rPr kumimoji="1" lang="zh-TW" altLang="en-US" smtClean="0"/>
-              <a:t>2015/12/3</a:t>
+              <a:t>2015/12/7</a:t>
             </a:fld>
             <a:endParaRPr kumimoji="1" lang="zh-TW" altLang="en-US"/>
           </a:p>
@@ -1784,7 +1784,7 @@
           <a:p>
             <a:fld id="{0C5196E0-70D9-B84F-AABD-8A38CC670BEB}" type="datetimeFigureOut">
               <a:rPr kumimoji="1" lang="zh-TW" altLang="en-US" smtClean="0"/>
-              <a:t>2015/12/3</a:t>
+              <a:t>2015/12/7</a:t>
             </a:fld>
             <a:endParaRPr kumimoji="1" lang="zh-TW" altLang="en-US"/>
           </a:p>
@@ -1958,7 +1958,7 @@
           <a:p>
             <a:fld id="{0C5196E0-70D9-B84F-AABD-8A38CC670BEB}" type="datetimeFigureOut">
               <a:rPr kumimoji="1" lang="zh-TW" altLang="en-US" smtClean="0"/>
-              <a:t>2015/12/3</a:t>
+              <a:t>2015/12/7</a:t>
             </a:fld>
             <a:endParaRPr kumimoji="1" lang="zh-TW" altLang="en-US"/>
           </a:p>
@@ -2301,7 +2301,7 @@
           <a:p>
             <a:fld id="{0C5196E0-70D9-B84F-AABD-8A38CC670BEB}" type="datetimeFigureOut">
               <a:rPr kumimoji="1" lang="zh-TW" altLang="en-US" smtClean="0"/>
-              <a:t>2015/12/3</a:t>
+              <a:t>2015/12/7</a:t>
             </a:fld>
             <a:endParaRPr kumimoji="1" lang="zh-TW" altLang="en-US"/>
           </a:p>
@@ -2576,7 +2576,7 @@
           <a:p>
             <a:fld id="{0C5196E0-70D9-B84F-AABD-8A38CC670BEB}" type="datetimeFigureOut">
               <a:rPr kumimoji="1" lang="zh-TW" altLang="en-US" smtClean="0"/>
-              <a:t>2015/12/3</a:t>
+              <a:t>2015/12/7</a:t>
             </a:fld>
             <a:endParaRPr kumimoji="1" lang="zh-TW" altLang="en-US"/>
           </a:p>
@@ -2955,7 +2955,7 @@
           <a:p>
             <a:fld id="{0C5196E0-70D9-B84F-AABD-8A38CC670BEB}" type="datetimeFigureOut">
               <a:rPr kumimoji="1" lang="zh-TW" altLang="en-US" smtClean="0"/>
-              <a:t>2015/12/3</a:t>
+              <a:t>2015/12/7</a:t>
             </a:fld>
             <a:endParaRPr kumimoji="1" lang="zh-TW" altLang="en-US"/>
           </a:p>
@@ -3073,7 +3073,7 @@
           <a:p>
             <a:fld id="{0C5196E0-70D9-B84F-AABD-8A38CC670BEB}" type="datetimeFigureOut">
               <a:rPr kumimoji="1" lang="zh-TW" altLang="en-US" smtClean="0"/>
-              <a:t>2015/12/3</a:t>
+              <a:t>2015/12/7</a:t>
             </a:fld>
             <a:endParaRPr kumimoji="1" lang="zh-TW" altLang="en-US"/>
           </a:p>
@@ -3244,7 +3244,7 @@
           <a:p>
             <a:fld id="{0C5196E0-70D9-B84F-AABD-8A38CC670BEB}" type="datetimeFigureOut">
               <a:rPr kumimoji="1" lang="zh-TW" altLang="en-US" smtClean="0"/>
-              <a:t>2015/12/3</a:t>
+              <a:t>2015/12/7</a:t>
             </a:fld>
             <a:endParaRPr kumimoji="1" lang="zh-TW" altLang="en-US"/>
           </a:p>
@@ -3603,7 +3603,7 @@
           <a:p>
             <a:fld id="{0C5196E0-70D9-B84F-AABD-8A38CC670BEB}" type="datetimeFigureOut">
               <a:rPr kumimoji="1" lang="zh-TW" altLang="en-US" smtClean="0"/>
-              <a:t>2015/12/3</a:t>
+              <a:t>2015/12/7</a:t>
             </a:fld>
             <a:endParaRPr kumimoji="1" lang="zh-TW" altLang="en-US"/>
           </a:p>
@@ -3990,7 +3990,7 @@
           <a:p>
             <a:fld id="{0C5196E0-70D9-B84F-AABD-8A38CC670BEB}" type="datetimeFigureOut">
               <a:rPr kumimoji="1" lang="zh-TW" altLang="en-US" smtClean="0"/>
-              <a:t>2015/12/3</a:t>
+              <a:t>2015/12/7</a:t>
             </a:fld>
             <a:endParaRPr kumimoji="1" lang="zh-TW" altLang="en-US"/>
           </a:p>
@@ -4277,7 +4277,7 @@
           <a:p>
             <a:fld id="{0C5196E0-70D9-B84F-AABD-8A38CC670BEB}" type="datetimeFigureOut">
               <a:rPr kumimoji="1" lang="zh-TW" altLang="en-US" smtClean="0"/>
-              <a:t>2015/12/3</a:t>
+              <a:t>2015/12/7</a:t>
             </a:fld>
             <a:endParaRPr kumimoji="1" lang="zh-TW" altLang="en-US"/>
           </a:p>
@@ -5511,15 +5511,7 @@
             </a:r>
             <a:r>
               <a:rPr lang="zh-TW" altLang="en-US" sz="4000" dirty="0" smtClean="0"/>
-              <a:t>行為</a:t>
-            </a:r>
-            <a:r>
-              <a:rPr lang="zh-TW" altLang="en-US" sz="4000" dirty="0" smtClean="0"/>
-              <a:t>與消</a:t>
-            </a:r>
-            <a:r>
-              <a:rPr lang="zh-TW" altLang="en-US" sz="4000" dirty="0" smtClean="0"/>
-              <a:t>滅行為</a:t>
+              <a:t>行為與消滅行為</a:t>
             </a:r>
             <a:r>
               <a:rPr lang="zh-TW" altLang="en-US" sz="4000" dirty="0"/>
@@ -5914,20 +5906,13 @@
           <a:p>
             <a:r>
               <a:rPr lang="zh-TW" altLang="en-US" b="1" dirty="0"/>
-              <a:t>不論工廠內部的管理方法、製造流程如何地更換變動，都不會影響到系統外部使用者的操作行為，這就是使用 </a:t>
-            </a:r>
-            <a:r>
-              <a:rPr lang="en-US" altLang="zh-TW" b="1" dirty="0"/>
-              <a:t>Factory Method </a:t>
-            </a:r>
-            <a:r>
-              <a:rPr lang="zh-TW" altLang="en-US" b="1" dirty="0"/>
-              <a:t>模式所帶來的程式架構益處</a:t>
+              <a:t>不論工廠內部的管理方法、製造流程如何地更換變動，都不會影響到系統外部使用者的操作</a:t>
             </a:r>
             <a:r>
               <a:rPr lang="zh-TW" altLang="en-US" b="1" dirty="0" smtClean="0"/>
-              <a:t>。</a:t>
-            </a:r>
+              <a:t>行為。</a:t>
+            </a:r>
+            <a:endParaRPr lang="zh-TW" altLang="en-US" b="1" dirty="0" smtClean="0"/>
           </a:p>
           <a:p>
             <a:r>
@@ -5952,13 +5937,20 @@
             </a:r>
           </a:p>
           <a:p>
+            <a:endParaRPr lang="zh-TW" altLang="en-US" dirty="0" smtClean="0"/>
+          </a:p>
+          <a:p>
             <a:r>
               <a:rPr lang="zh-TW" altLang="en-US" dirty="0" smtClean="0"/>
               <a:t>使用</a:t>
             </a:r>
             <a:r>
               <a:rPr lang="zh-TW" altLang="en-US" dirty="0"/>
-              <a:t>者通常並不會也不需要關心成品的生產過程或生成模式，因此利用 </a:t>
+              <a:t>者通常並不會也不需要關心成品的生產過程或生成模式</a:t>
+            </a:r>
+            <a:r>
+              <a:rPr lang="zh-TW" altLang="en-US" dirty="0" smtClean="0"/>
+              <a:t>， </a:t>
             </a:r>
             <a:r>
               <a:rPr lang="en-US" altLang="zh-TW" dirty="0"/>
